--- a/PresentazioneISW2_DiMarcoLuca.pptx
+++ b/PresentazioneISW2_DiMarcoLuca.pptx
@@ -225,7 +225,7 @@
           <a:p>
             <a:fld id="{01BCA37E-039F-7F4B-B757-E451029C1BDA}" type="datetimeFigureOut">
               <a:rPr lang="it-IT" smtClean="0"/>
-              <a:t>09/01/25</a:t>
+              <a:t>15/01/25</a:t>
             </a:fld>
             <a:endParaRPr lang="it-IT"/>
           </a:p>
@@ -557,6 +557,90 @@
           <a:p>
             <a:fld id="{ED9B20DE-CB2D-BC4C-9F2E-32877B3F09E9}" type="slidenum">
               <a:rPr lang="it-IT" smtClean="0"/>
+              <a:t>15</a:t>
+            </a:fld>
+            <a:endParaRPr lang="it-IT"/>
+          </a:p>
+        </p:txBody>
+      </p:sp>
+    </p:spTree>
+    <p:extLst>
+      <p:ext uri="{BB962C8B-B14F-4D97-AF65-F5344CB8AC3E}">
+        <p14:creationId xmlns:p14="http://schemas.microsoft.com/office/powerpoint/2010/main" val="1204413036"/>
+      </p:ext>
+    </p:extLst>
+  </p:cSld>
+  <p:clrMapOvr>
+    <a:masterClrMapping/>
+  </p:clrMapOvr>
+</p:notes>
+</file>
+
+<file path=ppt/notesSlides/notesSlide2.xml><?xml version="1.0" encoding="utf-8"?>
+<p:notes xmlns:a="http://schemas.openxmlformats.org/drawingml/2006/main" xmlns:r="http://schemas.openxmlformats.org/officeDocument/2006/relationships" xmlns:p="http://schemas.openxmlformats.org/presentationml/2006/main">
+  <p:cSld>
+    <p:spTree>
+      <p:nvGrpSpPr>
+        <p:cNvPr id="1" name=""/>
+        <p:cNvGrpSpPr/>
+        <p:nvPr/>
+      </p:nvGrpSpPr>
+      <p:grpSpPr>
+        <a:xfrm>
+          <a:off x="0" y="0"/>
+          <a:ext cx="0" cy="0"/>
+          <a:chOff x="0" y="0"/>
+          <a:chExt cx="0" cy="0"/>
+        </a:xfrm>
+      </p:grpSpPr>
+      <p:sp>
+        <p:nvSpPr>
+          <p:cNvPr id="2" name="Segnaposto immagine diapositiva 1"/>
+          <p:cNvSpPr>
+            <a:spLocks noGrp="1" noRot="1" noChangeAspect="1"/>
+          </p:cNvSpPr>
+          <p:nvPr>
+            <p:ph type="sldImg"/>
+          </p:nvPr>
+        </p:nvSpPr>
+        <p:spPr/>
+      </p:sp>
+      <p:sp>
+        <p:nvSpPr>
+          <p:cNvPr id="3" name="Segnaposto note 2"/>
+          <p:cNvSpPr>
+            <a:spLocks noGrp="1"/>
+          </p:cNvSpPr>
+          <p:nvPr>
+            <p:ph type="body" idx="1"/>
+          </p:nvPr>
+        </p:nvSpPr>
+        <p:spPr/>
+        <p:txBody>
+          <a:bodyPr/>
+          <a:lstStyle/>
+          <a:p>
+            <a:endParaRPr lang="it-IT" dirty="0"/>
+          </a:p>
+        </p:txBody>
+      </p:sp>
+      <p:sp>
+        <p:nvSpPr>
+          <p:cNvPr id="4" name="Segnaposto numero diapositiva 3"/>
+          <p:cNvSpPr>
+            <a:spLocks noGrp="1"/>
+          </p:cNvSpPr>
+          <p:nvPr>
+            <p:ph type="sldNum" sz="quarter" idx="5"/>
+          </p:nvPr>
+        </p:nvSpPr>
+        <p:spPr/>
+        <p:txBody>
+          <a:bodyPr/>
+          <a:lstStyle/>
+          <a:p>
+            <a:fld id="{ED9B20DE-CB2D-BC4C-9F2E-32877B3F09E9}" type="slidenum">
+              <a:rPr lang="it-IT" smtClean="0"/>
               <a:t>16</a:t>
             </a:fld>
             <a:endParaRPr lang="it-IT"/>
@@ -739,7 +823,7 @@
           <a:p>
             <a:fld id="{146A1EBA-C48C-4440-BDA8-56475354CF5E}" type="datetime1">
               <a:rPr lang="it-IT" smtClean="0"/>
-              <a:t>09/01/25</a:t>
+              <a:t>15/01/25</a:t>
             </a:fld>
             <a:endParaRPr lang="en-US" dirty="0"/>
           </a:p>
@@ -905,7 +989,7 @@
           <a:p>
             <a:fld id="{63FEDFE6-04AF-F94F-B52E-7BA45754BE3C}" type="datetime1">
               <a:rPr lang="it-IT" smtClean="0"/>
-              <a:t>09/01/25</a:t>
+              <a:t>15/01/25</a:t>
             </a:fld>
             <a:endParaRPr lang="en-US" dirty="0"/>
           </a:p>
@@ -1080,7 +1164,7 @@
           <a:p>
             <a:fld id="{E7CB2346-4243-1746-B87D-8E4FEE4057F5}" type="datetime1">
               <a:rPr lang="it-IT" smtClean="0"/>
-              <a:t>09/01/25</a:t>
+              <a:t>15/01/25</a:t>
             </a:fld>
             <a:endParaRPr lang="en-US" dirty="0"/>
           </a:p>
@@ -1245,7 +1329,7 @@
           <a:p>
             <a:fld id="{C90C1001-DBEB-4746-B5BC-E7662008802E}" type="datetime1">
               <a:rPr lang="it-IT" smtClean="0"/>
-              <a:t>09/01/25</a:t>
+              <a:t>15/01/25</a:t>
             </a:fld>
             <a:endParaRPr lang="en-US" dirty="0"/>
           </a:p>
@@ -1509,7 +1593,7 @@
           <a:p>
             <a:fld id="{3D873CA2-1A61-2048-9C7A-CBC8B6CE1DED}" type="datetime1">
               <a:rPr lang="it-IT" smtClean="0"/>
-              <a:t>09/01/25</a:t>
+              <a:t>15/01/25</a:t>
             </a:fld>
             <a:endParaRPr lang="en-US" dirty="0"/>
           </a:p>
@@ -1737,7 +1821,7 @@
           <a:p>
             <a:fld id="{E101AD53-971A-B242-8980-2776C54332CB}" type="datetime1">
               <a:rPr lang="it-IT" smtClean="0"/>
-              <a:t>09/01/25</a:t>
+              <a:t>15/01/25</a:t>
             </a:fld>
             <a:endParaRPr lang="en-US" dirty="0"/>
           </a:p>
@@ -2091,7 +2175,7 @@
           <a:p>
             <a:fld id="{77E4D86A-13E2-D84F-AF51-3D75C50166CD}" type="datetime1">
               <a:rPr lang="it-IT" smtClean="0"/>
-              <a:t>09/01/25</a:t>
+              <a:t>15/01/25</a:t>
             </a:fld>
             <a:endParaRPr lang="en-US" dirty="0"/>
           </a:p>
@@ -2227,7 +2311,7 @@
           <a:p>
             <a:fld id="{5C8360C1-8C2D-FB4D-816F-B940F3BEDB56}" type="datetime1">
               <a:rPr lang="it-IT" smtClean="0"/>
-              <a:t>09/01/25</a:t>
+              <a:t>15/01/25</a:t>
             </a:fld>
             <a:endParaRPr lang="en-US" dirty="0"/>
           </a:p>
@@ -2317,7 +2401,7 @@
           <a:p>
             <a:fld id="{E95F028D-5825-B342-9E9B-7CDF2054C8CA}" type="datetime1">
               <a:rPr lang="it-IT" smtClean="0"/>
-              <a:t>09/01/25</a:t>
+              <a:t>15/01/25</a:t>
             </a:fld>
             <a:endParaRPr lang="en-US" dirty="0"/>
           </a:p>
@@ -2669,7 +2753,7 @@
           <a:p>
             <a:fld id="{B75E8B31-1E81-2845-9AF7-574BB41E51E3}" type="datetime1">
               <a:rPr lang="it-IT" smtClean="0"/>
-              <a:t>09/01/25</a:t>
+              <a:t>15/01/25</a:t>
             </a:fld>
             <a:endParaRPr lang="en-US" dirty="0"/>
           </a:p>
@@ -3021,7 +3105,7 @@
           <a:p>
             <a:fld id="{60FB4333-966D-C44D-9A31-906555DA95AD}" type="datetime1">
               <a:rPr lang="it-IT" smtClean="0"/>
-              <a:t>09/01/25</a:t>
+              <a:t>15/01/25</a:t>
             </a:fld>
             <a:endParaRPr lang="en-US" dirty="0"/>
           </a:p>
@@ -3258,7 +3342,7 @@
           <a:p>
             <a:fld id="{DE449C6D-E4D3-BB4B-AF1E-A8B5EE4D7327}" type="datetime1">
               <a:rPr lang="it-IT" smtClean="0"/>
-              <a:t>09/01/25</a:t>
+              <a:t>15/01/25</a:t>
             </a:fld>
             <a:endParaRPr lang="en-US" dirty="0"/>
           </a:p>
@@ -5146,7 +5230,7 @@
             </a:r>
             <a:r>
               <a:rPr lang="it-IT" dirty="0"/>
-              <a:t> e della AUC. In generale, è il classificatore che si comporta peggio;</a:t>
+              <a:t> e leggera nella recall. In generale, è il classificatore che si comporta peggio;</a:t>
             </a:r>
           </a:p>
           <a:p>
@@ -5367,7 +5451,7 @@
         </p:spPr>
         <p:txBody>
           <a:bodyPr vert="horz" lIns="91440" tIns="45720" rIns="91440" bIns="45720" rtlCol="0">
-            <a:normAutofit fontScale="85000" lnSpcReduction="20000"/>
+            <a:normAutofit fontScale="77500" lnSpcReduction="20000"/>
           </a:bodyPr>
           <a:lstStyle>
             <a:lvl1pPr marL="228600" indent="-228600" algn="l" defTabSz="914400" rtl="0" eaLnBrk="1" latinLnBrk="0" hangingPunct="1">
@@ -5621,7 +5705,7 @@
             </a:r>
             <a:r>
               <a:rPr lang="it-IT" dirty="0"/>
-              <a:t>, dovuto all’aumento della percentuale di positivi nel training set;</a:t>
+              <a:t> rispetto al caso con solo filtraggio, dovuto all’aumento della percentuale di positivi nel training set;</a:t>
             </a:r>
           </a:p>
           <a:p>
@@ -5655,7 +5739,7 @@
             </a:r>
             <a:r>
               <a:rPr lang="it-IT" dirty="0"/>
-              <a:t>: miglioramento della recall rispetto alle esecuzioni senza filtri, come atteso. </a:t>
+              <a:t>: miglioramento della recall rispetto alle esecuzioni senza filtraggio e peggioramento rispetto al caso con solo filtraggio. Precision generalmente costante. </a:t>
             </a:r>
           </a:p>
           <a:p>
@@ -5704,7 +5788,15 @@
             </a:r>
             <a:r>
               <a:rPr lang="it-IT" dirty="0"/>
-              <a:t>: miglioramento sostanziale della recall, dovuto alla riduzione dei negativi all’interno del training set;</a:t>
+              <a:t>: miglioramento sostanziale della recall, dovuto alla riduzione dei negativi all’interno del training set e miglioramento leggero nella </a:t>
+            </a:r>
+            <a:r>
+              <a:rPr lang="it-IT" dirty="0" err="1"/>
+              <a:t>precision</a:t>
+            </a:r>
+            <a:r>
+              <a:rPr lang="it-IT" dirty="0"/>
+              <a:t> rispetto al caso con solo filtraggio;</a:t>
             </a:r>
           </a:p>
           <a:p>
@@ -5746,7 +5838,7 @@
             </a:r>
             <a:r>
               <a:rPr lang="it-IT" dirty="0"/>
-              <a:t>: miglioramento della recall e della </a:t>
+              <a:t>: miglioramento della recall, </a:t>
             </a:r>
             <a:r>
               <a:rPr lang="it-IT" dirty="0" err="1"/>
@@ -5754,7 +5846,15 @@
             </a:r>
             <a:r>
               <a:rPr lang="it-IT" dirty="0"/>
-              <a:t>. </a:t>
+              <a:t> generalmente costante rispetto al caso con solo filtraggio. Leggero peggioramento della </a:t>
+            </a:r>
+            <a:r>
+              <a:rPr lang="it-IT" dirty="0" err="1"/>
+              <a:t>precision</a:t>
+            </a:r>
+            <a:r>
+              <a:rPr lang="it-IT" dirty="0"/>
+              <a:t> rispetto al caso senza filtraggio.</a:t>
             </a:r>
           </a:p>
           <a:p>
@@ -5945,6 +6045,496 @@
           <a:xfrm>
             <a:off x="6911440" y="1653179"/>
             <a:ext cx="5122124" cy="3717896"/>
+          </a:xfrm>
+          <a:prstGeom prst="rect">
+            <a:avLst/>
+          </a:prstGeom>
+        </p:spPr>
+        <p:txBody>
+          <a:bodyPr vert="horz" lIns="91440" tIns="45720" rIns="91440" bIns="45720" rtlCol="0">
+            <a:normAutofit lnSpcReduction="10000"/>
+          </a:bodyPr>
+          <a:lstStyle>
+            <a:lvl1pPr marL="228600" indent="-228600" algn="l" defTabSz="914400" rtl="0" eaLnBrk="1" latinLnBrk="0" hangingPunct="1">
+              <a:lnSpc>
+                <a:spcPct val="100000"/>
+              </a:lnSpc>
+              <a:spcBef>
+                <a:spcPts val="1000"/>
+              </a:spcBef>
+              <a:buClr>
+                <a:schemeClr val="accent2"/>
+              </a:buClr>
+              <a:buFont typeface="Arial" panose="020B0604020202020204" pitchFamily="34" charset="0"/>
+              <a:buChar char="•"/>
+              <a:defRPr sz="1800" kern="1200">
+                <a:solidFill>
+                  <a:schemeClr val="tx1">
+                    <a:lumMod val="85000"/>
+                    <a:lumOff val="15000"/>
+                  </a:schemeClr>
+                </a:solidFill>
+                <a:latin typeface="+mn-lt"/>
+                <a:ea typeface="+mn-ea"/>
+                <a:cs typeface="+mn-cs"/>
+              </a:defRPr>
+            </a:lvl1pPr>
+            <a:lvl2pPr marL="457200" indent="-228600" algn="l" defTabSz="914400" rtl="0" eaLnBrk="1" latinLnBrk="0" hangingPunct="1">
+              <a:lnSpc>
+                <a:spcPct val="100000"/>
+              </a:lnSpc>
+              <a:spcBef>
+                <a:spcPts val="1000"/>
+              </a:spcBef>
+              <a:buClr>
+                <a:schemeClr val="accent2"/>
+              </a:buClr>
+              <a:buFont typeface="Arial" panose="020B0604020202020204" pitchFamily="34" charset="0"/>
+              <a:buChar char="•"/>
+              <a:defRPr sz="1600" kern="1200">
+                <a:solidFill>
+                  <a:schemeClr val="tx1">
+                    <a:lumMod val="85000"/>
+                    <a:lumOff val="15000"/>
+                  </a:schemeClr>
+                </a:solidFill>
+                <a:latin typeface="+mn-lt"/>
+                <a:ea typeface="+mn-ea"/>
+                <a:cs typeface="+mn-cs"/>
+              </a:defRPr>
+            </a:lvl2pPr>
+            <a:lvl3pPr marL="685800" indent="-228600" algn="l" defTabSz="914400" rtl="0" eaLnBrk="1" latinLnBrk="0" hangingPunct="1">
+              <a:lnSpc>
+                <a:spcPct val="100000"/>
+              </a:lnSpc>
+              <a:spcBef>
+                <a:spcPts val="1000"/>
+              </a:spcBef>
+              <a:buClr>
+                <a:schemeClr val="accent2"/>
+              </a:buClr>
+              <a:buFont typeface="Arial" panose="020B0604020202020204" pitchFamily="34" charset="0"/>
+              <a:buChar char="•"/>
+              <a:defRPr sz="1600" kern="1200">
+                <a:solidFill>
+                  <a:schemeClr val="tx1">
+                    <a:lumMod val="85000"/>
+                    <a:lumOff val="15000"/>
+                  </a:schemeClr>
+                </a:solidFill>
+                <a:latin typeface="+mn-lt"/>
+                <a:ea typeface="+mn-ea"/>
+                <a:cs typeface="+mn-cs"/>
+              </a:defRPr>
+            </a:lvl3pPr>
+            <a:lvl4pPr marL="914400" indent="-228600" algn="l" defTabSz="914400" rtl="0" eaLnBrk="1" latinLnBrk="0" hangingPunct="1">
+              <a:lnSpc>
+                <a:spcPct val="100000"/>
+              </a:lnSpc>
+              <a:spcBef>
+                <a:spcPts val="1000"/>
+              </a:spcBef>
+              <a:buClr>
+                <a:schemeClr val="accent2"/>
+              </a:buClr>
+              <a:buFont typeface="Arial" panose="020B0604020202020204" pitchFamily="34" charset="0"/>
+              <a:buChar char="•"/>
+              <a:defRPr sz="1600" kern="1200">
+                <a:solidFill>
+                  <a:schemeClr val="tx1">
+                    <a:lumMod val="85000"/>
+                    <a:lumOff val="15000"/>
+                  </a:schemeClr>
+                </a:solidFill>
+                <a:latin typeface="+mn-lt"/>
+                <a:ea typeface="+mn-ea"/>
+                <a:cs typeface="+mn-cs"/>
+              </a:defRPr>
+            </a:lvl4pPr>
+            <a:lvl5pPr marL="1143000" indent="-228600" algn="l" defTabSz="914400" rtl="0" eaLnBrk="1" latinLnBrk="0" hangingPunct="1">
+              <a:lnSpc>
+                <a:spcPct val="100000"/>
+              </a:lnSpc>
+              <a:spcBef>
+                <a:spcPts val="1000"/>
+              </a:spcBef>
+              <a:buClr>
+                <a:schemeClr val="accent2"/>
+              </a:buClr>
+              <a:buFont typeface="Arial" panose="020B0604020202020204" pitchFamily="34" charset="0"/>
+              <a:buChar char="•"/>
+              <a:defRPr sz="1600" kern="1200">
+                <a:solidFill>
+                  <a:schemeClr val="tx1">
+                    <a:lumMod val="85000"/>
+                    <a:lumOff val="15000"/>
+                  </a:schemeClr>
+                </a:solidFill>
+                <a:latin typeface="+mn-lt"/>
+                <a:ea typeface="+mn-ea"/>
+                <a:cs typeface="+mn-cs"/>
+              </a:defRPr>
+            </a:lvl5pPr>
+            <a:lvl6pPr marL="1312863" indent="-228600" algn="l" defTabSz="914400" rtl="0" eaLnBrk="1" latinLnBrk="0" hangingPunct="1">
+              <a:lnSpc>
+                <a:spcPct val="100000"/>
+              </a:lnSpc>
+              <a:spcBef>
+                <a:spcPts val="1000"/>
+              </a:spcBef>
+              <a:buClr>
+                <a:schemeClr val="accent2"/>
+              </a:buClr>
+              <a:buFont typeface="Arial" panose="020B0604020202020204" pitchFamily="34" charset="0"/>
+              <a:buChar char="•"/>
+              <a:defRPr sz="1600" kern="1200">
+                <a:solidFill>
+                  <a:schemeClr val="tx1"/>
+                </a:solidFill>
+                <a:latin typeface="+mn-lt"/>
+                <a:ea typeface="+mn-ea"/>
+                <a:cs typeface="+mn-cs"/>
+              </a:defRPr>
+            </a:lvl6pPr>
+            <a:lvl7pPr marL="1484313" indent="-228600" algn="l" defTabSz="914400" rtl="0" eaLnBrk="1" latinLnBrk="0" hangingPunct="1">
+              <a:lnSpc>
+                <a:spcPct val="100000"/>
+              </a:lnSpc>
+              <a:spcBef>
+                <a:spcPts val="1000"/>
+              </a:spcBef>
+              <a:buClr>
+                <a:schemeClr val="accent2"/>
+              </a:buClr>
+              <a:buFont typeface="Arial" panose="020B0604020202020204" pitchFamily="34" charset="0"/>
+              <a:buChar char="•"/>
+              <a:defRPr sz="1600" kern="1200">
+                <a:solidFill>
+                  <a:schemeClr val="tx1"/>
+                </a:solidFill>
+                <a:latin typeface="+mn-lt"/>
+                <a:ea typeface="+mn-ea"/>
+                <a:cs typeface="+mn-cs"/>
+              </a:defRPr>
+            </a:lvl7pPr>
+            <a:lvl8pPr marL="1657350" indent="-228600" algn="l" defTabSz="914400" rtl="0" eaLnBrk="1" latinLnBrk="0" hangingPunct="1">
+              <a:lnSpc>
+                <a:spcPct val="100000"/>
+              </a:lnSpc>
+              <a:spcBef>
+                <a:spcPts val="1000"/>
+              </a:spcBef>
+              <a:buClr>
+                <a:schemeClr val="accent2"/>
+              </a:buClr>
+              <a:buFont typeface="Arial" panose="020B0604020202020204" pitchFamily="34" charset="0"/>
+              <a:buChar char="•"/>
+              <a:defRPr sz="1600" kern="1200" baseline="0">
+                <a:solidFill>
+                  <a:schemeClr val="tx1"/>
+                </a:solidFill>
+                <a:latin typeface="+mn-lt"/>
+                <a:ea typeface="+mn-ea"/>
+                <a:cs typeface="+mn-cs"/>
+              </a:defRPr>
+            </a:lvl8pPr>
+            <a:lvl9pPr marL="1882775" indent="-228600" algn="l" defTabSz="914400" rtl="0" eaLnBrk="1" latinLnBrk="0" hangingPunct="1">
+              <a:lnSpc>
+                <a:spcPct val="100000"/>
+              </a:lnSpc>
+              <a:spcBef>
+                <a:spcPts val="1000"/>
+              </a:spcBef>
+              <a:buClr>
+                <a:schemeClr val="accent2"/>
+              </a:buClr>
+              <a:buFont typeface="Arial" panose="020B0604020202020204" pitchFamily="34" charset="0"/>
+              <a:buChar char="•"/>
+              <a:defRPr sz="1600" kern="1200" baseline="0">
+                <a:solidFill>
+                  <a:schemeClr val="tx1"/>
+                </a:solidFill>
+                <a:latin typeface="+mn-lt"/>
+                <a:ea typeface="+mn-ea"/>
+                <a:cs typeface="+mn-cs"/>
+              </a:defRPr>
+            </a:lvl9pPr>
+          </a:lstStyle>
+          <a:p>
+            <a:r>
+              <a:rPr lang="it-IT" dirty="0"/>
+              <a:t>Nelle esecuzioni con </a:t>
+            </a:r>
+            <a:r>
+              <a:rPr lang="it-IT" b="1" dirty="0"/>
+              <a:t>Feature </a:t>
+            </a:r>
+            <a:r>
+              <a:rPr lang="it-IT" b="1" dirty="0" err="1"/>
+              <a:t>Selection</a:t>
+            </a:r>
+            <a:r>
+              <a:rPr lang="it-IT" b="1" dirty="0"/>
+              <a:t> e Sensitive Learning </a:t>
+            </a:r>
+            <a:r>
+              <a:rPr lang="it-IT" dirty="0"/>
+              <a:t>troviamo:</a:t>
+            </a:r>
+          </a:p>
+          <a:p>
+            <a:pPr lvl="1"/>
+            <a:r>
+              <a:rPr lang="it-IT" b="1" dirty="0" err="1"/>
+              <a:t>IBk</a:t>
+            </a:r>
+            <a:r>
+              <a:rPr lang="it-IT" dirty="0"/>
+              <a:t>: un peggioramento della </a:t>
+            </a:r>
+            <a:r>
+              <a:rPr lang="it-IT" dirty="0" err="1"/>
+              <a:t>precision</a:t>
+            </a:r>
+            <a:r>
+              <a:rPr lang="it-IT" dirty="0"/>
+              <a:t> ed una recall quasi costante, con un leggero miglioramento, rispetto, come atteso;</a:t>
+            </a:r>
+          </a:p>
+          <a:p>
+            <a:pPr lvl="1"/>
+            <a:r>
+              <a:rPr lang="it-IT" b="1" dirty="0" err="1"/>
+              <a:t>Naive</a:t>
+            </a:r>
+            <a:r>
+              <a:rPr lang="it-IT" b="1" dirty="0"/>
+              <a:t> </a:t>
+            </a:r>
+            <a:r>
+              <a:rPr lang="it-IT" b="1" dirty="0" err="1"/>
+              <a:t>Bayes</a:t>
+            </a:r>
+            <a:r>
+              <a:rPr lang="it-IT" dirty="0"/>
+              <a:t>: una recall media quasi costante, ed un miglioramento della </a:t>
+            </a:r>
+            <a:r>
+              <a:rPr lang="it-IT" dirty="0" err="1"/>
+              <a:t>precision</a:t>
+            </a:r>
+            <a:r>
+              <a:rPr lang="it-IT" dirty="0"/>
+              <a:t>, rispetto il caso con solo filtraggio, ma risulta ancora essere il classificatore peggiore;</a:t>
+            </a:r>
+          </a:p>
+          <a:p>
+            <a:pPr lvl="1"/>
+            <a:r>
+              <a:rPr lang="it-IT" b="1" dirty="0"/>
+              <a:t>Random </a:t>
+            </a:r>
+            <a:r>
+              <a:rPr lang="it-IT" b="1" dirty="0" err="1"/>
+              <a:t>Forest</a:t>
+            </a:r>
+            <a:r>
+              <a:rPr lang="it-IT" dirty="0"/>
+              <a:t>: un leggero peggioramento della </a:t>
+            </a:r>
+            <a:r>
+              <a:rPr lang="it-IT" dirty="0" err="1"/>
+              <a:t>precision</a:t>
+            </a:r>
+            <a:r>
+              <a:rPr lang="it-IT" dirty="0"/>
+              <a:t> ed un miglioramento evidente della recall. </a:t>
+            </a:r>
+          </a:p>
+          <a:p>
+            <a:r>
+              <a:rPr lang="it-IT" b="1" dirty="0"/>
+              <a:t>Random </a:t>
+            </a:r>
+            <a:r>
+              <a:rPr lang="it-IT" b="1" dirty="0" err="1"/>
+              <a:t>Forest</a:t>
+            </a:r>
+            <a:r>
+              <a:rPr lang="it-IT" dirty="0"/>
+              <a:t> risulta essere ancora il classificatore </a:t>
+            </a:r>
+            <a:r>
+              <a:rPr lang="it-IT" b="1" dirty="0"/>
+              <a:t>migliore</a:t>
+            </a:r>
+            <a:r>
+              <a:rPr lang="it-IT" dirty="0"/>
+              <a:t>. </a:t>
+            </a:r>
+          </a:p>
+        </p:txBody>
+      </p:sp>
+      <p:pic>
+        <p:nvPicPr>
+          <p:cNvPr id="6" name="Immagine 5" descr="Immagine che contiene testo, schermata, schermo, software&#10;&#10;Descrizione generata automaticamente">
+            <a:extLst>
+              <a:ext uri="{FF2B5EF4-FFF2-40B4-BE49-F238E27FC236}">
+                <a16:creationId xmlns:a16="http://schemas.microsoft.com/office/drawing/2014/main" id="{93940ED1-CE46-1037-1974-E99A8DFB20C1}"/>
+              </a:ext>
+            </a:extLst>
+          </p:cNvPr>
+          <p:cNvPicPr>
+            <a:picLocks noChangeAspect="1"/>
+          </p:cNvPicPr>
+          <p:nvPr/>
+        </p:nvPicPr>
+        <p:blipFill>
+          <a:blip r:embed="rId3"/>
+          <a:stretch>
+            <a:fillRect/>
+          </a:stretch>
+        </p:blipFill>
+        <p:spPr>
+          <a:xfrm>
+            <a:off x="238991" y="1653179"/>
+            <a:ext cx="6672449" cy="4386822"/>
+          </a:xfrm>
+          <a:prstGeom prst="rect">
+            <a:avLst/>
+          </a:prstGeom>
+        </p:spPr>
+      </p:pic>
+    </p:spTree>
+    <p:extLst>
+      <p:ext uri="{BB962C8B-B14F-4D97-AF65-F5344CB8AC3E}">
+        <p14:creationId xmlns:p14="http://schemas.microsoft.com/office/powerpoint/2010/main" val="699621986"/>
+      </p:ext>
+    </p:extLst>
+  </p:cSld>
+  <p:clrMapOvr>
+    <a:masterClrMapping/>
+  </p:clrMapOvr>
+</p:sld>
+</file>
+
+<file path=ppt/slides/slide16.xml><?xml version="1.0" encoding="utf-8"?>
+<p:sld xmlns:a="http://schemas.openxmlformats.org/drawingml/2006/main" xmlns:r="http://schemas.openxmlformats.org/officeDocument/2006/relationships" xmlns:p="http://schemas.openxmlformats.org/presentationml/2006/main">
+  <p:cSld>
+    <p:spTree>
+      <p:nvGrpSpPr>
+        <p:cNvPr id="1" name="">
+          <a:extLst>
+            <a:ext uri="{FF2B5EF4-FFF2-40B4-BE49-F238E27FC236}">
+              <a16:creationId xmlns:a16="http://schemas.microsoft.com/office/drawing/2014/main" id="{D0AC2420-F88E-C562-D6C9-B79EBA401F62}"/>
+            </a:ext>
+          </a:extLst>
+        </p:cNvPr>
+        <p:cNvGrpSpPr/>
+        <p:nvPr/>
+      </p:nvGrpSpPr>
+      <p:grpSpPr>
+        <a:xfrm>
+          <a:off x="0" y="0"/>
+          <a:ext cx="0" cy="0"/>
+          <a:chOff x="0" y="0"/>
+          <a:chExt cx="0" cy="0"/>
+        </a:xfrm>
+      </p:grpSpPr>
+      <p:sp>
+        <p:nvSpPr>
+          <p:cNvPr id="2" name="Titolo 1">
+            <a:extLst>
+              <a:ext uri="{FF2B5EF4-FFF2-40B4-BE49-F238E27FC236}">
+                <a16:creationId xmlns:a16="http://schemas.microsoft.com/office/drawing/2014/main" id="{2B83F730-F16A-E712-981C-52F21726BEF7}"/>
+              </a:ext>
+            </a:extLst>
+          </p:cNvPr>
+          <p:cNvSpPr>
+            <a:spLocks noGrp="1"/>
+          </p:cNvSpPr>
+          <p:nvPr>
+            <p:ph type="title"/>
+          </p:nvPr>
+        </p:nvSpPr>
+        <p:spPr>
+          <a:xfrm>
+            <a:off x="2231136" y="141732"/>
+            <a:ext cx="7729728" cy="1188720"/>
+          </a:xfrm>
+        </p:spPr>
+        <p:txBody>
+          <a:bodyPr>
+            <a:normAutofit fontScale="90000"/>
+          </a:bodyPr>
+          <a:lstStyle/>
+          <a:p>
+            <a:r>
+              <a:rPr lang="it-IT" dirty="0"/>
+              <a:t>Risultati – </a:t>
+            </a:r>
+            <a:r>
+              <a:rPr lang="it-IT" dirty="0" err="1"/>
+              <a:t>syncope</a:t>
+            </a:r>
+            <a:br>
+              <a:rPr lang="it-IT" dirty="0"/>
+            </a:br>
+            <a:r>
+              <a:rPr lang="it-IT" b="1" dirty="0"/>
+              <a:t>esecuzione CON FEATURE SELECTION</a:t>
+            </a:r>
+          </a:p>
+        </p:txBody>
+      </p:sp>
+      <p:sp>
+        <p:nvSpPr>
+          <p:cNvPr id="4" name="Segnaposto numero diapositiva 3">
+            <a:extLst>
+              <a:ext uri="{FF2B5EF4-FFF2-40B4-BE49-F238E27FC236}">
+                <a16:creationId xmlns:a16="http://schemas.microsoft.com/office/drawing/2014/main" id="{05BB0340-0966-5281-8504-F7D60F3A256C}"/>
+              </a:ext>
+            </a:extLst>
+          </p:cNvPr>
+          <p:cNvSpPr>
+            <a:spLocks noGrp="1"/>
+          </p:cNvSpPr>
+          <p:nvPr>
+            <p:ph type="sldNum" sz="quarter" idx="12"/>
+          </p:nvPr>
+        </p:nvSpPr>
+        <p:spPr/>
+        <p:txBody>
+          <a:bodyPr/>
+          <a:lstStyle/>
+          <a:p>
+            <a:fld id="{8A7A6979-0714-4377-B894-6BE4C2D6E202}" type="slidenum">
+              <a:rPr lang="en-US" smtClean="0"/>
+              <a:pPr/>
+              <a:t>16</a:t>
+            </a:fld>
+            <a:endParaRPr lang="en-US" dirty="0"/>
+          </a:p>
+        </p:txBody>
+      </p:sp>
+      <p:sp>
+        <p:nvSpPr>
+          <p:cNvPr id="22" name="Segnaposto contenuto 2">
+            <a:extLst>
+              <a:ext uri="{FF2B5EF4-FFF2-40B4-BE49-F238E27FC236}">
+                <a16:creationId xmlns:a16="http://schemas.microsoft.com/office/drawing/2014/main" id="{3498DFD0-7CCB-37A3-0732-E69303327294}"/>
+              </a:ext>
+            </a:extLst>
+          </p:cNvPr>
+          <p:cNvSpPr txBox="1">
+            <a:spLocks/>
+          </p:cNvSpPr>
+          <p:nvPr/>
+        </p:nvSpPr>
+        <p:spPr>
+          <a:xfrm>
+            <a:off x="6828312" y="1792859"/>
+            <a:ext cx="4953596" cy="4016925"/>
           </a:xfrm>
           <a:prstGeom prst="rect">
             <a:avLst/>
@@ -6163,7 +6753,7 @@
           <a:p>
             <a:r>
               <a:rPr lang="it-IT" dirty="0"/>
-              <a:t>Nelle esecuzioni con </a:t>
+              <a:t>Nelle esecuzioni con solo </a:t>
             </a:r>
             <a:r>
               <a:rPr lang="it-IT" b="1" dirty="0"/>
@@ -6174,12 +6764,8 @@
               <a:t>Selection</a:t>
             </a:r>
             <a:r>
-              <a:rPr lang="it-IT" b="1" dirty="0"/>
-              <a:t> e Sensitive Learning </a:t>
-            </a:r>
-            <a:r>
-              <a:rPr lang="it-IT" dirty="0"/>
-              <a:t>troviamo:</a:t>
+              <a:rPr lang="it-IT" dirty="0"/>
+              <a:t>, rispetto alle esecuzioni senza alcun filtro, troviamo:</a:t>
             </a:r>
           </a:p>
           <a:p>
@@ -6190,7 +6776,7 @@
             </a:r>
             <a:r>
               <a:rPr lang="it-IT" dirty="0"/>
-              <a:t>: un peggioramento della </a:t>
+              <a:t>: leggera diminuzione nella </a:t>
             </a:r>
             <a:r>
               <a:rPr lang="it-IT" dirty="0" err="1"/>
@@ -6198,7 +6784,7 @@
             </a:r>
             <a:r>
               <a:rPr lang="it-IT" dirty="0"/>
-              <a:t> ed una recall quasi costante, con un leggero miglioramento, come atteso;</a:t>
+              <a:t> ma miglioramento nella recall;</a:t>
             </a:r>
           </a:p>
           <a:p>
@@ -6217,7 +6803,7 @@
             </a:r>
             <a:r>
               <a:rPr lang="it-IT" dirty="0"/>
-              <a:t>: un leggero miglioramento della recall, ed un miglioramento della </a:t>
+              <a:t>: leggera diminuzione nella </a:t>
             </a:r>
             <a:r>
               <a:rPr lang="it-IT" dirty="0" err="1"/>
@@ -6225,493 +6811,7 @@
             </a:r>
             <a:r>
               <a:rPr lang="it-IT" dirty="0"/>
-              <a:t>, ma risulta ancora essere il classificatore peggiore;</a:t>
-            </a:r>
-          </a:p>
-          <a:p>
-            <a:pPr lvl="1"/>
-            <a:r>
-              <a:rPr lang="it-IT" b="1" dirty="0"/>
-              <a:t>Random </a:t>
-            </a:r>
-            <a:r>
-              <a:rPr lang="it-IT" b="1" dirty="0" err="1"/>
-              <a:t>Forest</a:t>
-            </a:r>
-            <a:r>
-              <a:rPr lang="it-IT" dirty="0"/>
-              <a:t>: un leggero peggioramento della </a:t>
-            </a:r>
-            <a:r>
-              <a:rPr lang="it-IT" dirty="0" err="1"/>
-              <a:t>precision</a:t>
-            </a:r>
-            <a:r>
-              <a:rPr lang="it-IT" dirty="0"/>
-              <a:t> ed un miglioramento evidente della recall. </a:t>
-            </a:r>
-          </a:p>
-          <a:p>
-            <a:r>
-              <a:rPr lang="it-IT" b="1" dirty="0"/>
-              <a:t>Random </a:t>
-            </a:r>
-            <a:r>
-              <a:rPr lang="it-IT" b="1" dirty="0" err="1"/>
-              <a:t>Forest</a:t>
-            </a:r>
-            <a:r>
-              <a:rPr lang="it-IT" dirty="0"/>
-              <a:t> risulta essere ancora il classificatore </a:t>
-            </a:r>
-            <a:r>
-              <a:rPr lang="it-IT" b="1" dirty="0"/>
-              <a:t>migliore</a:t>
-            </a:r>
-            <a:r>
-              <a:rPr lang="it-IT" dirty="0"/>
-              <a:t>. </a:t>
-            </a:r>
-          </a:p>
-        </p:txBody>
-      </p:sp>
-      <p:pic>
-        <p:nvPicPr>
-          <p:cNvPr id="6" name="Immagine 5" descr="Immagine che contiene testo, schermata, schermo, software&#10;&#10;Descrizione generata automaticamente">
-            <a:extLst>
-              <a:ext uri="{FF2B5EF4-FFF2-40B4-BE49-F238E27FC236}">
-                <a16:creationId xmlns:a16="http://schemas.microsoft.com/office/drawing/2014/main" id="{93940ED1-CE46-1037-1974-E99A8DFB20C1}"/>
-              </a:ext>
-            </a:extLst>
-          </p:cNvPr>
-          <p:cNvPicPr>
-            <a:picLocks noChangeAspect="1"/>
-          </p:cNvPicPr>
-          <p:nvPr/>
-        </p:nvPicPr>
-        <p:blipFill>
-          <a:blip r:embed="rId2"/>
-          <a:stretch>
-            <a:fillRect/>
-          </a:stretch>
-        </p:blipFill>
-        <p:spPr>
-          <a:xfrm>
-            <a:off x="238991" y="1653179"/>
-            <a:ext cx="6672449" cy="4386822"/>
-          </a:xfrm>
-          <a:prstGeom prst="rect">
-            <a:avLst/>
-          </a:prstGeom>
-        </p:spPr>
-      </p:pic>
-    </p:spTree>
-    <p:extLst>
-      <p:ext uri="{BB962C8B-B14F-4D97-AF65-F5344CB8AC3E}">
-        <p14:creationId xmlns:p14="http://schemas.microsoft.com/office/powerpoint/2010/main" val="699621986"/>
-      </p:ext>
-    </p:extLst>
-  </p:cSld>
-  <p:clrMapOvr>
-    <a:masterClrMapping/>
-  </p:clrMapOvr>
-</p:sld>
-</file>
-
-<file path=ppt/slides/slide16.xml><?xml version="1.0" encoding="utf-8"?>
-<p:sld xmlns:a="http://schemas.openxmlformats.org/drawingml/2006/main" xmlns:r="http://schemas.openxmlformats.org/officeDocument/2006/relationships" xmlns:p="http://schemas.openxmlformats.org/presentationml/2006/main">
-  <p:cSld>
-    <p:spTree>
-      <p:nvGrpSpPr>
-        <p:cNvPr id="1" name="">
-          <a:extLst>
-            <a:ext uri="{FF2B5EF4-FFF2-40B4-BE49-F238E27FC236}">
-              <a16:creationId xmlns:a16="http://schemas.microsoft.com/office/drawing/2014/main" id="{D0AC2420-F88E-C562-D6C9-B79EBA401F62}"/>
-            </a:ext>
-          </a:extLst>
-        </p:cNvPr>
-        <p:cNvGrpSpPr/>
-        <p:nvPr/>
-      </p:nvGrpSpPr>
-      <p:grpSpPr>
-        <a:xfrm>
-          <a:off x="0" y="0"/>
-          <a:ext cx="0" cy="0"/>
-          <a:chOff x="0" y="0"/>
-          <a:chExt cx="0" cy="0"/>
-        </a:xfrm>
-      </p:grpSpPr>
-      <p:sp>
-        <p:nvSpPr>
-          <p:cNvPr id="2" name="Titolo 1">
-            <a:extLst>
-              <a:ext uri="{FF2B5EF4-FFF2-40B4-BE49-F238E27FC236}">
-                <a16:creationId xmlns:a16="http://schemas.microsoft.com/office/drawing/2014/main" id="{2B83F730-F16A-E712-981C-52F21726BEF7}"/>
-              </a:ext>
-            </a:extLst>
-          </p:cNvPr>
-          <p:cNvSpPr>
-            <a:spLocks noGrp="1"/>
-          </p:cNvSpPr>
-          <p:nvPr>
-            <p:ph type="title"/>
-          </p:nvPr>
-        </p:nvSpPr>
-        <p:spPr>
-          <a:xfrm>
-            <a:off x="2231136" y="141732"/>
-            <a:ext cx="7729728" cy="1188720"/>
-          </a:xfrm>
-        </p:spPr>
-        <p:txBody>
-          <a:bodyPr>
-            <a:normAutofit fontScale="90000"/>
-          </a:bodyPr>
-          <a:lstStyle/>
-          <a:p>
-            <a:r>
-              <a:rPr lang="it-IT" dirty="0"/>
-              <a:t>Risultati – </a:t>
-            </a:r>
-            <a:r>
-              <a:rPr lang="it-IT" dirty="0" err="1"/>
-              <a:t>syncope</a:t>
-            </a:r>
-            <a:br>
-              <a:rPr lang="it-IT" dirty="0"/>
-            </a:br>
-            <a:r>
-              <a:rPr lang="it-IT" b="1" dirty="0"/>
-              <a:t>esecuzione CON FEATURE SELECTION</a:t>
-            </a:r>
-          </a:p>
-        </p:txBody>
-      </p:sp>
-      <p:sp>
-        <p:nvSpPr>
-          <p:cNvPr id="4" name="Segnaposto numero diapositiva 3">
-            <a:extLst>
-              <a:ext uri="{FF2B5EF4-FFF2-40B4-BE49-F238E27FC236}">
-                <a16:creationId xmlns:a16="http://schemas.microsoft.com/office/drawing/2014/main" id="{05BB0340-0966-5281-8504-F7D60F3A256C}"/>
-              </a:ext>
-            </a:extLst>
-          </p:cNvPr>
-          <p:cNvSpPr>
-            <a:spLocks noGrp="1"/>
-          </p:cNvSpPr>
-          <p:nvPr>
-            <p:ph type="sldNum" sz="quarter" idx="12"/>
-          </p:nvPr>
-        </p:nvSpPr>
-        <p:spPr/>
-        <p:txBody>
-          <a:bodyPr/>
-          <a:lstStyle/>
-          <a:p>
-            <a:fld id="{8A7A6979-0714-4377-B894-6BE4C2D6E202}" type="slidenum">
-              <a:rPr lang="en-US" smtClean="0"/>
-              <a:pPr/>
-              <a:t>16</a:t>
-            </a:fld>
-            <a:endParaRPr lang="en-US" dirty="0"/>
-          </a:p>
-        </p:txBody>
-      </p:sp>
-      <p:sp>
-        <p:nvSpPr>
-          <p:cNvPr id="22" name="Segnaposto contenuto 2">
-            <a:extLst>
-              <a:ext uri="{FF2B5EF4-FFF2-40B4-BE49-F238E27FC236}">
-                <a16:creationId xmlns:a16="http://schemas.microsoft.com/office/drawing/2014/main" id="{3498DFD0-7CCB-37A3-0732-E69303327294}"/>
-              </a:ext>
-            </a:extLst>
-          </p:cNvPr>
-          <p:cNvSpPr txBox="1">
-            <a:spLocks/>
-          </p:cNvSpPr>
-          <p:nvPr/>
-        </p:nvSpPr>
-        <p:spPr>
-          <a:xfrm>
-            <a:off x="6828312" y="1792859"/>
-            <a:ext cx="4953596" cy="4016925"/>
-          </a:xfrm>
-          <a:prstGeom prst="rect">
-            <a:avLst/>
-          </a:prstGeom>
-        </p:spPr>
-        <p:txBody>
-          <a:bodyPr vert="horz" lIns="91440" tIns="45720" rIns="91440" bIns="45720" rtlCol="0">
-            <a:normAutofit/>
-          </a:bodyPr>
-          <a:lstStyle>
-            <a:lvl1pPr marL="228600" indent="-228600" algn="l" defTabSz="914400" rtl="0" eaLnBrk="1" latinLnBrk="0" hangingPunct="1">
-              <a:lnSpc>
-                <a:spcPct val="100000"/>
-              </a:lnSpc>
-              <a:spcBef>
-                <a:spcPts val="1000"/>
-              </a:spcBef>
-              <a:buClr>
-                <a:schemeClr val="accent2"/>
-              </a:buClr>
-              <a:buFont typeface="Arial" panose="020B0604020202020204" pitchFamily="34" charset="0"/>
-              <a:buChar char="•"/>
-              <a:defRPr sz="1800" kern="1200">
-                <a:solidFill>
-                  <a:schemeClr val="tx1">
-                    <a:lumMod val="85000"/>
-                    <a:lumOff val="15000"/>
-                  </a:schemeClr>
-                </a:solidFill>
-                <a:latin typeface="+mn-lt"/>
-                <a:ea typeface="+mn-ea"/>
-                <a:cs typeface="+mn-cs"/>
-              </a:defRPr>
-            </a:lvl1pPr>
-            <a:lvl2pPr marL="457200" indent="-228600" algn="l" defTabSz="914400" rtl="0" eaLnBrk="1" latinLnBrk="0" hangingPunct="1">
-              <a:lnSpc>
-                <a:spcPct val="100000"/>
-              </a:lnSpc>
-              <a:spcBef>
-                <a:spcPts val="1000"/>
-              </a:spcBef>
-              <a:buClr>
-                <a:schemeClr val="accent2"/>
-              </a:buClr>
-              <a:buFont typeface="Arial" panose="020B0604020202020204" pitchFamily="34" charset="0"/>
-              <a:buChar char="•"/>
-              <a:defRPr sz="1600" kern="1200">
-                <a:solidFill>
-                  <a:schemeClr val="tx1">
-                    <a:lumMod val="85000"/>
-                    <a:lumOff val="15000"/>
-                  </a:schemeClr>
-                </a:solidFill>
-                <a:latin typeface="+mn-lt"/>
-                <a:ea typeface="+mn-ea"/>
-                <a:cs typeface="+mn-cs"/>
-              </a:defRPr>
-            </a:lvl2pPr>
-            <a:lvl3pPr marL="685800" indent="-228600" algn="l" defTabSz="914400" rtl="0" eaLnBrk="1" latinLnBrk="0" hangingPunct="1">
-              <a:lnSpc>
-                <a:spcPct val="100000"/>
-              </a:lnSpc>
-              <a:spcBef>
-                <a:spcPts val="1000"/>
-              </a:spcBef>
-              <a:buClr>
-                <a:schemeClr val="accent2"/>
-              </a:buClr>
-              <a:buFont typeface="Arial" panose="020B0604020202020204" pitchFamily="34" charset="0"/>
-              <a:buChar char="•"/>
-              <a:defRPr sz="1600" kern="1200">
-                <a:solidFill>
-                  <a:schemeClr val="tx1">
-                    <a:lumMod val="85000"/>
-                    <a:lumOff val="15000"/>
-                  </a:schemeClr>
-                </a:solidFill>
-                <a:latin typeface="+mn-lt"/>
-                <a:ea typeface="+mn-ea"/>
-                <a:cs typeface="+mn-cs"/>
-              </a:defRPr>
-            </a:lvl3pPr>
-            <a:lvl4pPr marL="914400" indent="-228600" algn="l" defTabSz="914400" rtl="0" eaLnBrk="1" latinLnBrk="0" hangingPunct="1">
-              <a:lnSpc>
-                <a:spcPct val="100000"/>
-              </a:lnSpc>
-              <a:spcBef>
-                <a:spcPts val="1000"/>
-              </a:spcBef>
-              <a:buClr>
-                <a:schemeClr val="accent2"/>
-              </a:buClr>
-              <a:buFont typeface="Arial" panose="020B0604020202020204" pitchFamily="34" charset="0"/>
-              <a:buChar char="•"/>
-              <a:defRPr sz="1600" kern="1200">
-                <a:solidFill>
-                  <a:schemeClr val="tx1">
-                    <a:lumMod val="85000"/>
-                    <a:lumOff val="15000"/>
-                  </a:schemeClr>
-                </a:solidFill>
-                <a:latin typeface="+mn-lt"/>
-                <a:ea typeface="+mn-ea"/>
-                <a:cs typeface="+mn-cs"/>
-              </a:defRPr>
-            </a:lvl4pPr>
-            <a:lvl5pPr marL="1143000" indent="-228600" algn="l" defTabSz="914400" rtl="0" eaLnBrk="1" latinLnBrk="0" hangingPunct="1">
-              <a:lnSpc>
-                <a:spcPct val="100000"/>
-              </a:lnSpc>
-              <a:spcBef>
-                <a:spcPts val="1000"/>
-              </a:spcBef>
-              <a:buClr>
-                <a:schemeClr val="accent2"/>
-              </a:buClr>
-              <a:buFont typeface="Arial" panose="020B0604020202020204" pitchFamily="34" charset="0"/>
-              <a:buChar char="•"/>
-              <a:defRPr sz="1600" kern="1200">
-                <a:solidFill>
-                  <a:schemeClr val="tx1">
-                    <a:lumMod val="85000"/>
-                    <a:lumOff val="15000"/>
-                  </a:schemeClr>
-                </a:solidFill>
-                <a:latin typeface="+mn-lt"/>
-                <a:ea typeface="+mn-ea"/>
-                <a:cs typeface="+mn-cs"/>
-              </a:defRPr>
-            </a:lvl5pPr>
-            <a:lvl6pPr marL="1312863" indent="-228600" algn="l" defTabSz="914400" rtl="0" eaLnBrk="1" latinLnBrk="0" hangingPunct="1">
-              <a:lnSpc>
-                <a:spcPct val="100000"/>
-              </a:lnSpc>
-              <a:spcBef>
-                <a:spcPts val="1000"/>
-              </a:spcBef>
-              <a:buClr>
-                <a:schemeClr val="accent2"/>
-              </a:buClr>
-              <a:buFont typeface="Arial" panose="020B0604020202020204" pitchFamily="34" charset="0"/>
-              <a:buChar char="•"/>
-              <a:defRPr sz="1600" kern="1200">
-                <a:solidFill>
-                  <a:schemeClr val="tx1"/>
-                </a:solidFill>
-                <a:latin typeface="+mn-lt"/>
-                <a:ea typeface="+mn-ea"/>
-                <a:cs typeface="+mn-cs"/>
-              </a:defRPr>
-            </a:lvl6pPr>
-            <a:lvl7pPr marL="1484313" indent="-228600" algn="l" defTabSz="914400" rtl="0" eaLnBrk="1" latinLnBrk="0" hangingPunct="1">
-              <a:lnSpc>
-                <a:spcPct val="100000"/>
-              </a:lnSpc>
-              <a:spcBef>
-                <a:spcPts val="1000"/>
-              </a:spcBef>
-              <a:buClr>
-                <a:schemeClr val="accent2"/>
-              </a:buClr>
-              <a:buFont typeface="Arial" panose="020B0604020202020204" pitchFamily="34" charset="0"/>
-              <a:buChar char="•"/>
-              <a:defRPr sz="1600" kern="1200">
-                <a:solidFill>
-                  <a:schemeClr val="tx1"/>
-                </a:solidFill>
-                <a:latin typeface="+mn-lt"/>
-                <a:ea typeface="+mn-ea"/>
-                <a:cs typeface="+mn-cs"/>
-              </a:defRPr>
-            </a:lvl7pPr>
-            <a:lvl8pPr marL="1657350" indent="-228600" algn="l" defTabSz="914400" rtl="0" eaLnBrk="1" latinLnBrk="0" hangingPunct="1">
-              <a:lnSpc>
-                <a:spcPct val="100000"/>
-              </a:lnSpc>
-              <a:spcBef>
-                <a:spcPts val="1000"/>
-              </a:spcBef>
-              <a:buClr>
-                <a:schemeClr val="accent2"/>
-              </a:buClr>
-              <a:buFont typeface="Arial" panose="020B0604020202020204" pitchFamily="34" charset="0"/>
-              <a:buChar char="•"/>
-              <a:defRPr sz="1600" kern="1200" baseline="0">
-                <a:solidFill>
-                  <a:schemeClr val="tx1"/>
-                </a:solidFill>
-                <a:latin typeface="+mn-lt"/>
-                <a:ea typeface="+mn-ea"/>
-                <a:cs typeface="+mn-cs"/>
-              </a:defRPr>
-            </a:lvl8pPr>
-            <a:lvl9pPr marL="1882775" indent="-228600" algn="l" defTabSz="914400" rtl="0" eaLnBrk="1" latinLnBrk="0" hangingPunct="1">
-              <a:lnSpc>
-                <a:spcPct val="100000"/>
-              </a:lnSpc>
-              <a:spcBef>
-                <a:spcPts val="1000"/>
-              </a:spcBef>
-              <a:buClr>
-                <a:schemeClr val="accent2"/>
-              </a:buClr>
-              <a:buFont typeface="Arial" panose="020B0604020202020204" pitchFamily="34" charset="0"/>
-              <a:buChar char="•"/>
-              <a:defRPr sz="1600" kern="1200" baseline="0">
-                <a:solidFill>
-                  <a:schemeClr val="tx1"/>
-                </a:solidFill>
-                <a:latin typeface="+mn-lt"/>
-                <a:ea typeface="+mn-ea"/>
-                <a:cs typeface="+mn-cs"/>
-              </a:defRPr>
-            </a:lvl9pPr>
-          </a:lstStyle>
-          <a:p>
-            <a:r>
-              <a:rPr lang="it-IT" dirty="0"/>
-              <a:t>Nelle esecuzioni con solo </a:t>
-            </a:r>
-            <a:r>
-              <a:rPr lang="it-IT" b="1" dirty="0"/>
-              <a:t>Feature </a:t>
-            </a:r>
-            <a:r>
-              <a:rPr lang="it-IT" b="1" dirty="0" err="1"/>
-              <a:t>Selection</a:t>
-            </a:r>
-            <a:r>
-              <a:rPr lang="it-IT" dirty="0"/>
-              <a:t>, rispetto alle esecuzioni senza alcun filtro, troviamo:</a:t>
-            </a:r>
-          </a:p>
-          <a:p>
-            <a:pPr lvl="1"/>
-            <a:r>
-              <a:rPr lang="it-IT" b="1" dirty="0" err="1"/>
-              <a:t>IBk</a:t>
-            </a:r>
-            <a:r>
-              <a:rPr lang="it-IT" dirty="0"/>
-              <a:t>: leggera diminuzione nella </a:t>
-            </a:r>
-            <a:r>
-              <a:rPr lang="it-IT" dirty="0" err="1"/>
-              <a:t>precision</a:t>
-            </a:r>
-            <a:r>
-              <a:rPr lang="it-IT" dirty="0"/>
-              <a:t> ma miglioramento nella recall;</a:t>
-            </a:r>
-          </a:p>
-          <a:p>
-            <a:pPr lvl="1"/>
-            <a:r>
-              <a:rPr lang="it-IT" b="1" dirty="0" err="1"/>
-              <a:t>Naive</a:t>
-            </a:r>
-            <a:r>
-              <a:rPr lang="it-IT" b="1" dirty="0"/>
-              <a:t> </a:t>
-            </a:r>
-            <a:r>
-              <a:rPr lang="it-IT" b="1" dirty="0" err="1"/>
-              <a:t>Bayes</a:t>
-            </a:r>
-            <a:r>
-              <a:rPr lang="it-IT" dirty="0"/>
-              <a:t>: leggera diminuzione nella </a:t>
-            </a:r>
-            <a:r>
-              <a:rPr lang="it-IT" dirty="0" err="1"/>
-              <a:t>precision</a:t>
-            </a:r>
-            <a:r>
-              <a:rPr lang="it-IT" dirty="0"/>
-              <a:t> ma leggero miglioramento nella recall</a:t>
+              <a:t> ma leggero miglioramento nella recall;</a:t>
             </a:r>
           </a:p>
           <a:p>
@@ -7194,7 +7294,7 @@
             </a:r>
             <a:r>
               <a:rPr lang="it-IT" dirty="0"/>
-              <a:t> ma un sostanziale aumento nella recall, come atteso, dovuto all’aumentare della percentuale di positivi;</a:t>
+              <a:t> ma un sostanziale aumento nella recall rispetto al caso con solo filtraggio, come atteso, dovuto all’aumentare della percentuale di positivi;</a:t>
             </a:r>
           </a:p>
           <a:p>
@@ -7221,7 +7321,7 @@
             </a:r>
             <a:r>
               <a:rPr lang="it-IT" dirty="0"/>
-              <a:t>, ma anche qui un sostanziale aumento nella recall;</a:t>
+              <a:t>, ma anche qui un sostanziale aumento nella recall rispetto al caso con solo filtraggio;</a:t>
             </a:r>
           </a:p>
           <a:p>
@@ -7244,11 +7344,11 @@
             </a:r>
             <a:r>
               <a:rPr lang="it-IT" dirty="0"/>
-              <a:t> ma anche qui un sostanziale aumento nella recall. Le sue performance sono equiparabili a quelle di </a:t>
+              <a:t> ma anche qui un sostanziale aumento nella recall rispetto al caso con solo filtraggio. Le sue performance sono equiparabili a quelle di </a:t>
             </a:r>
             <a:r>
               <a:rPr lang="it-IT" dirty="0" err="1"/>
-              <a:t>Ibk</a:t>
+              <a:t>IBk</a:t>
             </a:r>
             <a:r>
               <a:rPr lang="it-IT" dirty="0"/>
@@ -7309,7 +7409,7 @@
             </a:r>
             <a:r>
               <a:rPr lang="it-IT" dirty="0"/>
-              <a:t> ed un sostanziale aumento nella recall, come da attese, dovuto alla diminuzione della percentuale dei negativi;</a:t>
+              <a:t> ed un sostanziale aumento nella recall rispetto al caso con solo filtraggio, come da attese, dovuto alla diminuzione della percentuale dei negativi;</a:t>
             </a:r>
           </a:p>
           <a:p>
@@ -7597,7 +7697,7 @@
         </p:spPr>
         <p:txBody>
           <a:bodyPr vert="horz" lIns="91440" tIns="45720" rIns="91440" bIns="45720" rtlCol="0">
-            <a:normAutofit/>
+            <a:normAutofit fontScale="92500"/>
           </a:bodyPr>
           <a:lstStyle>
             <a:lvl1pPr marL="228600" indent="-228600" algn="l" defTabSz="914400" rtl="0" eaLnBrk="1" latinLnBrk="0" hangingPunct="1">
@@ -7859,7 +7959,7 @@
             </a:r>
             <a:r>
               <a:rPr lang="it-IT" dirty="0"/>
-              <a:t>, più accentuata rispetto al caso senza filtraggio ed una leggera diminuzione anche nella recall;</a:t>
+              <a:t>, più accentuata rispetto al caso senza filtraggio ed una leggera diminuzione anche nella recall rispetto il caso con filtraggio. Invece aumento della recall rispetto il caso senza filtraggio, come da attese;</a:t>
             </a:r>
           </a:p>
           <a:p>
@@ -7909,7 +8009,7 @@
             </a:r>
             <a:r>
               <a:rPr lang="it-IT" dirty="0"/>
-              <a:t> e aumento nella recall, rispetto al caso senza filtraggio.</a:t>
+              <a:t> e nella recall rispetto al caso con filtraggio. Invece, aumento della recall rispetto il caso senza filtraggio, come atteso.</a:t>
             </a:r>
           </a:p>
           <a:p>
